--- a/Machine_learning_083016.pptx
+++ b/Machine_learning_083016.pptx
@@ -299,7 +299,7 @@
           <a:p>
             <a:fld id="{661E86A3-3969-4401-96B6-267960642EB7}" type="datetimeFigureOut">
               <a:rPr lang="en-US" smtClean="0"/>
-              <a:t>8/29/2016</a:t>
+              <a:t>8/30/2016</a:t>
             </a:fld>
             <a:endParaRPr lang="en-US"/>
           </a:p>
@@ -469,7 +469,7 @@
           <a:p>
             <a:fld id="{661E86A3-3969-4401-96B6-267960642EB7}" type="datetimeFigureOut">
               <a:rPr lang="en-US" smtClean="0"/>
-              <a:t>8/29/2016</a:t>
+              <a:t>8/30/2016</a:t>
             </a:fld>
             <a:endParaRPr lang="en-US"/>
           </a:p>
@@ -649,7 +649,7 @@
           <a:p>
             <a:fld id="{661E86A3-3969-4401-96B6-267960642EB7}" type="datetimeFigureOut">
               <a:rPr lang="en-US" smtClean="0"/>
-              <a:t>8/29/2016</a:t>
+              <a:t>8/30/2016</a:t>
             </a:fld>
             <a:endParaRPr lang="en-US"/>
           </a:p>
@@ -819,7 +819,7 @@
           <a:p>
             <a:fld id="{661E86A3-3969-4401-96B6-267960642EB7}" type="datetimeFigureOut">
               <a:rPr lang="en-US" smtClean="0"/>
-              <a:t>8/29/2016</a:t>
+              <a:t>8/30/2016</a:t>
             </a:fld>
             <a:endParaRPr lang="en-US"/>
           </a:p>
@@ -1065,7 +1065,7 @@
           <a:p>
             <a:fld id="{661E86A3-3969-4401-96B6-267960642EB7}" type="datetimeFigureOut">
               <a:rPr lang="en-US" smtClean="0"/>
-              <a:t>8/29/2016</a:t>
+              <a:t>8/30/2016</a:t>
             </a:fld>
             <a:endParaRPr lang="en-US"/>
           </a:p>
@@ -1353,7 +1353,7 @@
           <a:p>
             <a:fld id="{661E86A3-3969-4401-96B6-267960642EB7}" type="datetimeFigureOut">
               <a:rPr lang="en-US" smtClean="0"/>
-              <a:t>8/29/2016</a:t>
+              <a:t>8/30/2016</a:t>
             </a:fld>
             <a:endParaRPr lang="en-US"/>
           </a:p>
@@ -1775,7 +1775,7 @@
           <a:p>
             <a:fld id="{661E86A3-3969-4401-96B6-267960642EB7}" type="datetimeFigureOut">
               <a:rPr lang="en-US" smtClean="0"/>
-              <a:t>8/29/2016</a:t>
+              <a:t>8/30/2016</a:t>
             </a:fld>
             <a:endParaRPr lang="en-US"/>
           </a:p>
@@ -1893,7 +1893,7 @@
           <a:p>
             <a:fld id="{661E86A3-3969-4401-96B6-267960642EB7}" type="datetimeFigureOut">
               <a:rPr lang="en-US" smtClean="0"/>
-              <a:t>8/29/2016</a:t>
+              <a:t>8/30/2016</a:t>
             </a:fld>
             <a:endParaRPr lang="en-US"/>
           </a:p>
@@ -1988,7 +1988,7 @@
           <a:p>
             <a:fld id="{661E86A3-3969-4401-96B6-267960642EB7}" type="datetimeFigureOut">
               <a:rPr lang="en-US" smtClean="0"/>
-              <a:t>8/29/2016</a:t>
+              <a:t>8/30/2016</a:t>
             </a:fld>
             <a:endParaRPr lang="en-US"/>
           </a:p>
@@ -2265,7 +2265,7 @@
           <a:p>
             <a:fld id="{661E86A3-3969-4401-96B6-267960642EB7}" type="datetimeFigureOut">
               <a:rPr lang="en-US" smtClean="0"/>
-              <a:t>8/29/2016</a:t>
+              <a:t>8/30/2016</a:t>
             </a:fld>
             <a:endParaRPr lang="en-US"/>
           </a:p>
@@ -2518,7 +2518,7 @@
           <a:p>
             <a:fld id="{661E86A3-3969-4401-96B6-267960642EB7}" type="datetimeFigureOut">
               <a:rPr lang="en-US" smtClean="0"/>
-              <a:t>8/29/2016</a:t>
+              <a:t>8/30/2016</a:t>
             </a:fld>
             <a:endParaRPr lang="en-US"/>
           </a:p>
@@ -2731,7 +2731,7 @@
           <a:p>
             <a:fld id="{661E86A3-3969-4401-96B6-267960642EB7}" type="datetimeFigureOut">
               <a:rPr lang="en-US" smtClean="0"/>
-              <a:t>8/29/2016</a:t>
+              <a:t>8/30/2016</a:t>
             </a:fld>
             <a:endParaRPr lang="en-US"/>
           </a:p>
@@ -4498,9 +4498,14 @@
               <a:t> </a:t>
             </a:r>
             <a:r>
-              <a:rPr lang="en-US" dirty="0" smtClean="0"/>
-              <a:t>implements Ridge regression</a:t>
-            </a:r>
+              <a:rPr lang="en-US" smtClean="0"/>
+              <a:t>implements </a:t>
+            </a:r>
+            <a:r>
+              <a:rPr lang="en-US" smtClean="0"/>
+              <a:t>Lasso</a:t>
+            </a:r>
+            <a:endParaRPr lang="en-US" dirty="0" smtClean="0"/>
           </a:p>
           <a:p>
             <a:pPr marL="514350" indent="-457200"/>
